--- a/Unity/Lesson7/Разработка игр.pptx
+++ b/Unity/Lesson7/Разработка игр.pptx
@@ -214,7 +214,7 @@
             <a:pPr rtl="0"/>
             <a:fld id="{6B5C320A-F5C8-4FD6-86FF-35D2EBF085B6}" type="datetime1">
               <a:rPr lang="ru-RU" smtClean="0"/>
-              <a:t>07.10.2020</a:t>
+              <a:t>08.10.2020</a:t>
             </a:fld>
             <a:endParaRPr lang="en-US" dirty="0"/>
           </a:p>
@@ -384,7 +384,7 @@
             <a:pPr rtl="0"/>
             <a:fld id="{15C702C7-E599-40D9-B30E-0392896973B5}" type="datetime1">
               <a:rPr lang="ru-RU" smtClean="0"/>
-              <a:t>07.10.2020</a:t>
+              <a:t>08.10.2020</a:t>
             </a:fld>
             <a:endParaRPr lang="en-US"/>
           </a:p>
@@ -1129,7 +1129,7 @@
             <a:pPr rtl="0"/>
             <a:fld id="{6506E9A3-1561-45B7-908B-DACC52528ABB}" type="datetime1">
               <a:rPr lang="ru-RU" smtClean="0"/>
-              <a:t>07.10.2020</a:t>
+              <a:t>08.10.2020</a:t>
             </a:fld>
             <a:endParaRPr lang="en-US" dirty="0"/>
           </a:p>
@@ -1335,7 +1335,7 @@
             <a:pPr rtl="0"/>
             <a:fld id="{3E92B999-6CB2-48D4-8AF6-3D1A5D13436B}" type="datetime1">
               <a:rPr lang="ru-RU" smtClean="0"/>
-              <a:t>07.10.2020</a:t>
+              <a:t>08.10.2020</a:t>
             </a:fld>
             <a:endParaRPr lang="en-US"/>
           </a:p>
@@ -1519,7 +1519,7 @@
             <a:pPr rtl="0"/>
             <a:fld id="{B52C98DB-1092-48C4-AD4E-BD3E9D2E2345}" type="datetime1">
               <a:rPr lang="ru-RU" smtClean="0"/>
-              <a:t>07.10.2020</a:t>
+              <a:t>08.10.2020</a:t>
             </a:fld>
             <a:endParaRPr lang="en-US"/>
           </a:p>
@@ -1693,7 +1693,7 @@
             <a:pPr rtl="0"/>
             <a:fld id="{629C2F20-7994-4D1E-A01C-96ECBA4612EB}" type="datetime1">
               <a:rPr lang="ru-RU" smtClean="0"/>
-              <a:t>07.10.2020</a:t>
+              <a:t>08.10.2020</a:t>
             </a:fld>
             <a:endParaRPr lang="en-US"/>
           </a:p>
@@ -2296,7 +2296,7 @@
             <a:pPr rtl="0"/>
             <a:fld id="{7B2CE4EA-3B49-4A00-ADF3-7C7272A626C1}" type="datetime1">
               <a:rPr lang="ru-RU" smtClean="0"/>
-              <a:t>07.10.2020</a:t>
+              <a:t>08.10.2020</a:t>
             </a:fld>
             <a:endParaRPr lang="en-US" dirty="0"/>
           </a:p>
@@ -2620,7 +2620,7 @@
             <a:pPr rtl="0"/>
             <a:fld id="{9A16848F-27AD-43B9-904C-1CF05D24EB3C}" type="datetime1">
               <a:rPr lang="ru-RU" smtClean="0"/>
-              <a:t>07.10.2020</a:t>
+              <a:t>08.10.2020</a:t>
             </a:fld>
             <a:endParaRPr lang="en-US"/>
           </a:p>
@@ -3061,7 +3061,7 @@
             <a:pPr rtl="0"/>
             <a:fld id="{23090412-2DE5-405A-816E-F08FB54EB168}" type="datetime1">
               <a:rPr lang="ru-RU" smtClean="0"/>
-              <a:t>07.10.2020</a:t>
+              <a:t>08.10.2020</a:t>
             </a:fld>
             <a:endParaRPr lang="en-US"/>
           </a:p>
@@ -3183,7 +3183,7 @@
             <a:pPr rtl="0"/>
             <a:fld id="{F4C2D7CB-4DC1-4BB7-BF00-4C36160857E0}" type="datetime1">
               <a:rPr lang="ru-RU" smtClean="0"/>
-              <a:t>07.10.2020</a:t>
+              <a:t>08.10.2020</a:t>
             </a:fld>
             <a:endParaRPr lang="en-US"/>
           </a:p>
@@ -3281,7 +3281,7 @@
             <a:pPr rtl="0"/>
             <a:fld id="{4060D38F-E364-4ED4-9BF4-D7F00FFBE76A}" type="datetime1">
               <a:rPr lang="ru-RU" smtClean="0"/>
-              <a:t>07.10.2020</a:t>
+              <a:t>08.10.2020</a:t>
             </a:fld>
             <a:endParaRPr lang="en-US"/>
           </a:p>
@@ -3702,7 +3702,7 @@
             <a:pPr rtl="0"/>
             <a:fld id="{F183FEFD-AB08-4CB5-AE4D-2F6B12D8E3B0}" type="datetime1">
               <a:rPr lang="ru-RU" smtClean="0"/>
-              <a:t>07.10.2020</a:t>
+              <a:t>08.10.2020</a:t>
             </a:fld>
             <a:endParaRPr lang="en-US"/>
           </a:p>
@@ -3967,7 +3967,7 @@
             <a:pPr rtl="0"/>
             <a:fld id="{EBEA1583-5CEF-4E36-A7FC-D34B7E954D76}" type="datetime1">
               <a:rPr lang="ru-RU" smtClean="0"/>
-              <a:t>07.10.2020</a:t>
+              <a:t>08.10.2020</a:t>
             </a:fld>
             <a:endParaRPr lang="en-US" dirty="0"/>
           </a:p>
@@ -4487,7 +4487,7 @@
             <a:pPr rtl="0"/>
             <a:fld id="{1068A786-B8BF-4988-ACBA-DD9B5BC8D522}" type="datetime1">
               <a:rPr lang="ru-RU" smtClean="0"/>
-              <a:t>07.10.2020</a:t>
+              <a:t>08.10.2020</a:t>
             </a:fld>
             <a:endParaRPr lang="en-US" dirty="0"/>
           </a:p>
@@ -5759,34 +5759,7 @@
             </a:pPr>
             <a:r>
               <a:rPr lang="en-US" sz="1800" dirty="0"/>
-              <a:t>        if (</a:t>
-            </a:r>
-            <a:r>
-              <a:rPr lang="en-US" sz="1800" dirty="0">
-                <a:solidFill>
-                  <a:srgbClr val="C00000"/>
-                </a:solidFill>
-              </a:rPr>
-              <a:t>timer</a:t>
-            </a:r>
-            <a:r>
-              <a:rPr lang="en-US" sz="1800" dirty="0"/>
-              <a:t> &lt; 0)</a:t>
-            </a:r>
-          </a:p>
-          <a:p>
-            <a:pPr marL="0" indent="0">
-              <a:lnSpc>
-                <a:spcPct val="120000"/>
-              </a:lnSpc>
-              <a:spcBef>
-                <a:spcPts val="0"/>
-              </a:spcBef>
-              <a:buNone/>
-            </a:pPr>
-            <a:r>
-              <a:rPr lang="en-US" sz="1800" dirty="0"/>
-              <a:t>        {</a:t>
+              <a:t>       else{</a:t>
             </a:r>
           </a:p>
           <a:p>
@@ -7801,7 +7774,7 @@
             </a:r>
             <a:r>
               <a:rPr lang="ru-RU" dirty="0"/>
-              <a:t>объект видимый</a:t>
+              <a:t>объект невидимый</a:t>
             </a:r>
             <a:endParaRPr lang="en-US" dirty="0"/>
           </a:p>
@@ -7827,7 +7800,7 @@
             </a:r>
             <a:r>
               <a:rPr lang="ru-RU" dirty="0"/>
-              <a:t>); - объект невидимый</a:t>
+              <a:t>); - объект видимый</a:t>
             </a:r>
           </a:p>
           <a:p>
